--- a/docs/diagrams/HighLevelSequenceDiagrams.pptx
+++ b/docs/diagrams/HighLevelSequenceDiagrams.pptx
@@ -1,6 +1,6 @@
 
 <file path=ppt/presentation.xml><?xml version="1.0" encoding="utf-8"?>
-<p:presentation xmlns:a="http://schemas.openxmlformats.org/drawingml/2006/main" xmlns:r="http://schemas.openxmlformats.org/officeDocument/2006/relationships" xmlns:p="http://schemas.openxmlformats.org/presentationml/2006/main" saveSubsetFonts="1">
+<p:presentation xmlns:a="http://schemas.openxmlformats.org/drawingml/2006/main" xmlns:r="http://schemas.openxmlformats.org/officeDocument/2006/relationships" xmlns:p="http://schemas.openxmlformats.org/presentationml/2006/main" removePersonalInfoOnSave="1" saveSubsetFonts="1">
   <p:sldMasterIdLst>
     <p:sldMasterId id="2147483648" r:id="rId1"/>
   </p:sldMasterIdLst>
@@ -107,6 +107,22 @@
       </a:defRPr>
     </a:lvl9pPr>
   </p:defaultTextStyle>
+  <p:extLst>
+    <p:ext uri="{EFAFB233-063F-42B5-8137-9DF3F51BA10A}">
+      <p15:sldGuideLst xmlns:p15="http://schemas.microsoft.com/office/powerpoint/2012/main">
+        <p15:guide id="1" orient="horz" pos="1488">
+          <p15:clr>
+            <a:srgbClr val="A4A3A4"/>
+          </p15:clr>
+        </p15:guide>
+        <p15:guide id="2" pos="2880">
+          <p15:clr>
+            <a:srgbClr val="A4A3A4"/>
+          </p15:clr>
+        </p15:guide>
+      </p15:sldGuideLst>
+    </p:ext>
+  </p:extLst>
 </p:presentation>
 </file>
 
@@ -192,7 +208,7 @@
           <a:p>
             <a:fld id="{F5CC4B3F-88C1-4FFA-B1B6-F41C21DC6924}" type="datetimeFigureOut">
               <a:rPr lang="en-US" smtClean="0"/>
-              <a:t>10/16/2016</a:t>
+              <a:t>12/15/2018</a:t>
             </a:fld>
             <a:endParaRPr lang="en-US"/>
           </a:p>
@@ -256,38 +272,37 @@
           <a:p>
             <a:pPr lvl="0"/>
             <a:r>
-              <a:rPr lang="en-US" smtClean="0"/>
+              <a:rPr lang="en-US"/>
               <a:t>Click to edit Master text styles</a:t>
             </a:r>
           </a:p>
           <a:p>
             <a:pPr lvl="1"/>
             <a:r>
-              <a:rPr lang="en-US" smtClean="0"/>
+              <a:rPr lang="en-US"/>
               <a:t>Second level</a:t>
             </a:r>
           </a:p>
           <a:p>
             <a:pPr lvl="2"/>
             <a:r>
-              <a:rPr lang="en-US" smtClean="0"/>
+              <a:rPr lang="en-US"/>
               <a:t>Third level</a:t>
             </a:r>
           </a:p>
           <a:p>
             <a:pPr lvl="3"/>
             <a:r>
-              <a:rPr lang="en-US" smtClean="0"/>
+              <a:rPr lang="en-US"/>
               <a:t>Fourth level</a:t>
             </a:r>
           </a:p>
           <a:p>
             <a:pPr lvl="4"/>
             <a:r>
-              <a:rPr lang="en-US" smtClean="0"/>
+              <a:rPr lang="en-US"/>
               <a:t>Fifth level</a:t>
             </a:r>
-            <a:endParaRPr lang="en-US"/>
           </a:p>
         </p:txBody>
       </p:sp>
@@ -460,6 +475,90 @@
 </p:notesMaster>
 </file>
 
+<file path=ppt/notesSlides/notesSlide1.xml><?xml version="1.0" encoding="utf-8"?>
+<p:notes xmlns:a="http://schemas.openxmlformats.org/drawingml/2006/main" xmlns:r="http://schemas.openxmlformats.org/officeDocument/2006/relationships" xmlns:p="http://schemas.openxmlformats.org/presentationml/2006/main">
+  <p:cSld>
+    <p:spTree>
+      <p:nvGrpSpPr>
+        <p:cNvPr id="1" name=""/>
+        <p:cNvGrpSpPr/>
+        <p:nvPr/>
+      </p:nvGrpSpPr>
+      <p:grpSpPr>
+        <a:xfrm>
+          <a:off x="0" y="0"/>
+          <a:ext cx="0" cy="0"/>
+          <a:chOff x="0" y="0"/>
+          <a:chExt cx="0" cy="0"/>
+        </a:xfrm>
+      </p:grpSpPr>
+      <p:sp>
+        <p:nvSpPr>
+          <p:cNvPr id="2" name="Slide Image Placeholder 1"/>
+          <p:cNvSpPr>
+            <a:spLocks noGrp="1" noRot="1" noChangeAspect="1"/>
+          </p:cNvSpPr>
+          <p:nvPr>
+            <p:ph type="sldImg"/>
+          </p:nvPr>
+        </p:nvSpPr>
+        <p:spPr/>
+      </p:sp>
+      <p:sp>
+        <p:nvSpPr>
+          <p:cNvPr id="3" name="Notes Placeholder 2"/>
+          <p:cNvSpPr>
+            <a:spLocks noGrp="1"/>
+          </p:cNvSpPr>
+          <p:nvPr>
+            <p:ph type="body" idx="1"/>
+          </p:nvPr>
+        </p:nvSpPr>
+        <p:spPr/>
+        <p:txBody>
+          <a:bodyPr/>
+          <a:lstStyle/>
+          <a:p>
+            <a:endParaRPr lang="en-SG" dirty="0"/>
+          </a:p>
+        </p:txBody>
+      </p:sp>
+      <p:sp>
+        <p:nvSpPr>
+          <p:cNvPr id="4" name="Slide Number Placeholder 3"/>
+          <p:cNvSpPr>
+            <a:spLocks noGrp="1"/>
+          </p:cNvSpPr>
+          <p:nvPr>
+            <p:ph type="sldNum" sz="quarter" idx="5"/>
+          </p:nvPr>
+        </p:nvSpPr>
+        <p:spPr/>
+        <p:txBody>
+          <a:bodyPr/>
+          <a:lstStyle/>
+          <a:p>
+            <a:fld id="{5A7AB025-77E3-4BD1-A2FD-B3183DBA47A3}" type="slidenum">
+              <a:rPr lang="en-US" smtClean="0"/>
+              <a:t>1</a:t>
+            </a:fld>
+            <a:endParaRPr lang="en-US"/>
+          </a:p>
+        </p:txBody>
+      </p:sp>
+    </p:spTree>
+    <p:extLst>
+      <p:ext uri="{BB962C8B-B14F-4D97-AF65-F5344CB8AC3E}">
+        <p14:creationId xmlns:p14="http://schemas.microsoft.com/office/powerpoint/2010/main" val="2503452583"/>
+      </p:ext>
+    </p:extLst>
+  </p:cSld>
+  <p:clrMapOvr>
+    <a:masterClrMapping/>
+  </p:clrMapOvr>
+</p:notes>
+</file>
+
 <file path=ppt/slideLayouts/slideLayout1.xml><?xml version="1.0" encoding="utf-8"?>
 <p:sldLayout xmlns:a="http://schemas.openxmlformats.org/drawingml/2006/main" xmlns:r="http://schemas.openxmlformats.org/officeDocument/2006/relationships" xmlns:p="http://schemas.openxmlformats.org/presentationml/2006/main" type="title" preserve="1">
   <p:cSld name="Title Slide">
@@ -498,10 +597,9 @@
           <a:lstStyle/>
           <a:p>
             <a:r>
-              <a:rPr lang="en-US" smtClean="0"/>
+              <a:rPr lang="en-US"/>
               <a:t>Click to edit Master title style</a:t>
             </a:r>
-            <a:endParaRPr lang="en-US"/>
           </a:p>
         </p:txBody>
       </p:sp>
@@ -617,10 +715,9 @@
           </a:lstStyle>
           <a:p>
             <a:r>
-              <a:rPr lang="en-US" smtClean="0"/>
+              <a:rPr lang="en-US"/>
               <a:t>Click to edit Master subtitle style</a:t>
             </a:r>
-            <a:endParaRPr lang="en-US"/>
           </a:p>
         </p:txBody>
       </p:sp>
@@ -641,7 +738,7 @@
           <a:p>
             <a:fld id="{78C97017-6FC3-485B-9764-EAC9E56C1D49}" type="datetimeFigureOut">
               <a:rPr lang="en-US" smtClean="0"/>
-              <a:t>10/16/2016</a:t>
+              <a:t>12/15/2018</a:t>
             </a:fld>
             <a:endParaRPr lang="en-US"/>
           </a:p>
@@ -735,10 +832,9 @@
           <a:lstStyle/>
           <a:p>
             <a:r>
-              <a:rPr lang="en-US" smtClean="0"/>
+              <a:rPr lang="en-US"/>
               <a:t>Click to edit Master title style</a:t>
             </a:r>
-            <a:endParaRPr lang="en-US"/>
           </a:p>
         </p:txBody>
       </p:sp>
@@ -759,38 +855,37 @@
           <a:p>
             <a:pPr lvl="0"/>
             <a:r>
-              <a:rPr lang="en-US" smtClean="0"/>
+              <a:rPr lang="en-US"/>
               <a:t>Click to edit Master text styles</a:t>
             </a:r>
           </a:p>
           <a:p>
             <a:pPr lvl="1"/>
             <a:r>
-              <a:rPr lang="en-US" smtClean="0"/>
+              <a:rPr lang="en-US"/>
               <a:t>Second level</a:t>
             </a:r>
           </a:p>
           <a:p>
             <a:pPr lvl="2"/>
             <a:r>
-              <a:rPr lang="en-US" smtClean="0"/>
+              <a:rPr lang="en-US"/>
               <a:t>Third level</a:t>
             </a:r>
           </a:p>
           <a:p>
             <a:pPr lvl="3"/>
             <a:r>
-              <a:rPr lang="en-US" smtClean="0"/>
+              <a:rPr lang="en-US"/>
               <a:t>Fourth level</a:t>
             </a:r>
           </a:p>
           <a:p>
             <a:pPr lvl="4"/>
             <a:r>
-              <a:rPr lang="en-US" smtClean="0"/>
+              <a:rPr lang="en-US"/>
               <a:t>Fifth level</a:t>
             </a:r>
-            <a:endParaRPr lang="en-US"/>
           </a:p>
         </p:txBody>
       </p:sp>
@@ -811,7 +906,7 @@
           <a:p>
             <a:fld id="{78C97017-6FC3-485B-9764-EAC9E56C1D49}" type="datetimeFigureOut">
               <a:rPr lang="en-US" smtClean="0"/>
-              <a:t>10/16/2016</a:t>
+              <a:t>12/15/2018</a:t>
             </a:fld>
             <a:endParaRPr lang="en-US"/>
           </a:p>
@@ -910,10 +1005,9 @@
           <a:lstStyle/>
           <a:p>
             <a:r>
-              <a:rPr lang="en-US" smtClean="0"/>
+              <a:rPr lang="en-US"/>
               <a:t>Click to edit Master title style</a:t>
             </a:r>
-            <a:endParaRPr lang="en-US"/>
           </a:p>
         </p:txBody>
       </p:sp>
@@ -939,38 +1033,37 @@
           <a:p>
             <a:pPr lvl="0"/>
             <a:r>
-              <a:rPr lang="en-US" smtClean="0"/>
+              <a:rPr lang="en-US"/>
               <a:t>Click to edit Master text styles</a:t>
             </a:r>
           </a:p>
           <a:p>
             <a:pPr lvl="1"/>
             <a:r>
-              <a:rPr lang="en-US" smtClean="0"/>
+              <a:rPr lang="en-US"/>
               <a:t>Second level</a:t>
             </a:r>
           </a:p>
           <a:p>
             <a:pPr lvl="2"/>
             <a:r>
-              <a:rPr lang="en-US" smtClean="0"/>
+              <a:rPr lang="en-US"/>
               <a:t>Third level</a:t>
             </a:r>
           </a:p>
           <a:p>
             <a:pPr lvl="3"/>
             <a:r>
-              <a:rPr lang="en-US" smtClean="0"/>
+              <a:rPr lang="en-US"/>
               <a:t>Fourth level</a:t>
             </a:r>
           </a:p>
           <a:p>
             <a:pPr lvl="4"/>
             <a:r>
-              <a:rPr lang="en-US" smtClean="0"/>
+              <a:rPr lang="en-US"/>
               <a:t>Fifth level</a:t>
             </a:r>
-            <a:endParaRPr lang="en-US"/>
           </a:p>
         </p:txBody>
       </p:sp>
@@ -991,7 +1084,7 @@
           <a:p>
             <a:fld id="{78C97017-6FC3-485B-9764-EAC9E56C1D49}" type="datetimeFigureOut">
               <a:rPr lang="en-US" smtClean="0"/>
-              <a:t>10/16/2016</a:t>
+              <a:t>12/15/2018</a:t>
             </a:fld>
             <a:endParaRPr lang="en-US"/>
           </a:p>
@@ -1085,10 +1178,9 @@
           <a:lstStyle/>
           <a:p>
             <a:r>
-              <a:rPr lang="en-US" smtClean="0"/>
+              <a:rPr lang="en-US"/>
               <a:t>Click to edit Master title style</a:t>
             </a:r>
-            <a:endParaRPr lang="en-US"/>
           </a:p>
         </p:txBody>
       </p:sp>
@@ -1109,38 +1201,37 @@
           <a:p>
             <a:pPr lvl="0"/>
             <a:r>
-              <a:rPr lang="en-US" smtClean="0"/>
+              <a:rPr lang="en-US"/>
               <a:t>Click to edit Master text styles</a:t>
             </a:r>
           </a:p>
           <a:p>
             <a:pPr lvl="1"/>
             <a:r>
-              <a:rPr lang="en-US" smtClean="0"/>
+              <a:rPr lang="en-US"/>
               <a:t>Second level</a:t>
             </a:r>
           </a:p>
           <a:p>
             <a:pPr lvl="2"/>
             <a:r>
-              <a:rPr lang="en-US" smtClean="0"/>
+              <a:rPr lang="en-US"/>
               <a:t>Third level</a:t>
             </a:r>
           </a:p>
           <a:p>
             <a:pPr lvl="3"/>
             <a:r>
-              <a:rPr lang="en-US" smtClean="0"/>
+              <a:rPr lang="en-US"/>
               <a:t>Fourth level</a:t>
             </a:r>
           </a:p>
           <a:p>
             <a:pPr lvl="4"/>
             <a:r>
-              <a:rPr lang="en-US" smtClean="0"/>
+              <a:rPr lang="en-US"/>
               <a:t>Fifth level</a:t>
             </a:r>
-            <a:endParaRPr lang="en-US"/>
           </a:p>
         </p:txBody>
       </p:sp>
@@ -1161,7 +1252,7 @@
           <a:p>
             <a:fld id="{78C97017-6FC3-485B-9764-EAC9E56C1D49}" type="datetimeFigureOut">
               <a:rPr lang="en-US" smtClean="0"/>
-              <a:t>10/16/2016</a:t>
+              <a:t>12/15/2018</a:t>
             </a:fld>
             <a:endParaRPr lang="en-US"/>
           </a:p>
@@ -1264,10 +1355,9 @@
           </a:lstStyle>
           <a:p>
             <a:r>
-              <a:rPr lang="en-US" smtClean="0"/>
+              <a:rPr lang="en-US"/>
               <a:t>Click to edit Master title style</a:t>
             </a:r>
-            <a:endParaRPr lang="en-US"/>
           </a:p>
         </p:txBody>
       </p:sp>
@@ -1384,7 +1474,7 @@
           <a:p>
             <a:pPr lvl="0"/>
             <a:r>
-              <a:rPr lang="en-US" smtClean="0"/>
+              <a:rPr lang="en-US"/>
               <a:t>Click to edit Master text styles</a:t>
             </a:r>
           </a:p>
@@ -1407,7 +1497,7 @@
           <a:p>
             <a:fld id="{78C97017-6FC3-485B-9764-EAC9E56C1D49}" type="datetimeFigureOut">
               <a:rPr lang="en-US" smtClean="0"/>
-              <a:t>10/16/2016</a:t>
+              <a:t>12/15/2018</a:t>
             </a:fld>
             <a:endParaRPr lang="en-US"/>
           </a:p>
@@ -1501,10 +1591,9 @@
           <a:lstStyle/>
           <a:p>
             <a:r>
-              <a:rPr lang="en-US" smtClean="0"/>
+              <a:rPr lang="en-US"/>
               <a:t>Click to edit Master title style</a:t>
             </a:r>
-            <a:endParaRPr lang="en-US"/>
           </a:p>
         </p:txBody>
       </p:sp>
@@ -1558,38 +1647,37 @@
           <a:p>
             <a:pPr lvl="0"/>
             <a:r>
-              <a:rPr lang="en-US" smtClean="0"/>
+              <a:rPr lang="en-US"/>
               <a:t>Click to edit Master text styles</a:t>
             </a:r>
           </a:p>
           <a:p>
             <a:pPr lvl="1"/>
             <a:r>
-              <a:rPr lang="en-US" smtClean="0"/>
+              <a:rPr lang="en-US"/>
               <a:t>Second level</a:t>
             </a:r>
           </a:p>
           <a:p>
             <a:pPr lvl="2"/>
             <a:r>
-              <a:rPr lang="en-US" smtClean="0"/>
+              <a:rPr lang="en-US"/>
               <a:t>Third level</a:t>
             </a:r>
           </a:p>
           <a:p>
             <a:pPr lvl="3"/>
             <a:r>
-              <a:rPr lang="en-US" smtClean="0"/>
+              <a:rPr lang="en-US"/>
               <a:t>Fourth level</a:t>
             </a:r>
           </a:p>
           <a:p>
             <a:pPr lvl="4"/>
             <a:r>
-              <a:rPr lang="en-US" smtClean="0"/>
+              <a:rPr lang="en-US"/>
               <a:t>Fifth level</a:t>
             </a:r>
-            <a:endParaRPr lang="en-US"/>
           </a:p>
         </p:txBody>
       </p:sp>
@@ -1643,38 +1731,37 @@
           <a:p>
             <a:pPr lvl="0"/>
             <a:r>
-              <a:rPr lang="en-US" smtClean="0"/>
+              <a:rPr lang="en-US"/>
               <a:t>Click to edit Master text styles</a:t>
             </a:r>
           </a:p>
           <a:p>
             <a:pPr lvl="1"/>
             <a:r>
-              <a:rPr lang="en-US" smtClean="0"/>
+              <a:rPr lang="en-US"/>
               <a:t>Second level</a:t>
             </a:r>
           </a:p>
           <a:p>
             <a:pPr lvl="2"/>
             <a:r>
-              <a:rPr lang="en-US" smtClean="0"/>
+              <a:rPr lang="en-US"/>
               <a:t>Third level</a:t>
             </a:r>
           </a:p>
           <a:p>
             <a:pPr lvl="3"/>
             <a:r>
-              <a:rPr lang="en-US" smtClean="0"/>
+              <a:rPr lang="en-US"/>
               <a:t>Fourth level</a:t>
             </a:r>
           </a:p>
           <a:p>
             <a:pPr lvl="4"/>
             <a:r>
-              <a:rPr lang="en-US" smtClean="0"/>
+              <a:rPr lang="en-US"/>
               <a:t>Fifth level</a:t>
             </a:r>
-            <a:endParaRPr lang="en-US"/>
           </a:p>
         </p:txBody>
       </p:sp>
@@ -1695,7 +1782,7 @@
           <a:p>
             <a:fld id="{78C97017-6FC3-485B-9764-EAC9E56C1D49}" type="datetimeFigureOut">
               <a:rPr lang="en-US" smtClean="0"/>
-              <a:t>10/16/2016</a:t>
+              <a:t>12/15/2018</a:t>
             </a:fld>
             <a:endParaRPr lang="en-US"/>
           </a:p>
@@ -1793,10 +1880,9 @@
           </a:lstStyle>
           <a:p>
             <a:r>
-              <a:rPr lang="en-US" smtClean="0"/>
+              <a:rPr lang="en-US"/>
               <a:t>Click to edit Master title style</a:t>
             </a:r>
-            <a:endParaRPr lang="en-US"/>
           </a:p>
         </p:txBody>
       </p:sp>
@@ -1859,7 +1945,7 @@
           <a:p>
             <a:pPr lvl="0"/>
             <a:r>
-              <a:rPr lang="en-US" smtClean="0"/>
+              <a:rPr lang="en-US"/>
               <a:t>Click to edit Master text styles</a:t>
             </a:r>
           </a:p>
@@ -1915,38 +2001,37 @@
           <a:p>
             <a:pPr lvl="0"/>
             <a:r>
-              <a:rPr lang="en-US" smtClean="0"/>
+              <a:rPr lang="en-US"/>
               <a:t>Click to edit Master text styles</a:t>
             </a:r>
           </a:p>
           <a:p>
             <a:pPr lvl="1"/>
             <a:r>
-              <a:rPr lang="en-US" smtClean="0"/>
+              <a:rPr lang="en-US"/>
               <a:t>Second level</a:t>
             </a:r>
           </a:p>
           <a:p>
             <a:pPr lvl="2"/>
             <a:r>
-              <a:rPr lang="en-US" smtClean="0"/>
+              <a:rPr lang="en-US"/>
               <a:t>Third level</a:t>
             </a:r>
           </a:p>
           <a:p>
             <a:pPr lvl="3"/>
             <a:r>
-              <a:rPr lang="en-US" smtClean="0"/>
+              <a:rPr lang="en-US"/>
               <a:t>Fourth level</a:t>
             </a:r>
           </a:p>
           <a:p>
             <a:pPr lvl="4"/>
             <a:r>
-              <a:rPr lang="en-US" smtClean="0"/>
+              <a:rPr lang="en-US"/>
               <a:t>Fifth level</a:t>
             </a:r>
-            <a:endParaRPr lang="en-US"/>
           </a:p>
         </p:txBody>
       </p:sp>
@@ -2009,7 +2094,7 @@
           <a:p>
             <a:pPr lvl="0"/>
             <a:r>
-              <a:rPr lang="en-US" smtClean="0"/>
+              <a:rPr lang="en-US"/>
               <a:t>Click to edit Master text styles</a:t>
             </a:r>
           </a:p>
@@ -2065,38 +2150,37 @@
           <a:p>
             <a:pPr lvl="0"/>
             <a:r>
-              <a:rPr lang="en-US" smtClean="0"/>
+              <a:rPr lang="en-US"/>
               <a:t>Click to edit Master text styles</a:t>
             </a:r>
           </a:p>
           <a:p>
             <a:pPr lvl="1"/>
             <a:r>
-              <a:rPr lang="en-US" smtClean="0"/>
+              <a:rPr lang="en-US"/>
               <a:t>Second level</a:t>
             </a:r>
           </a:p>
           <a:p>
             <a:pPr lvl="2"/>
             <a:r>
-              <a:rPr lang="en-US" smtClean="0"/>
+              <a:rPr lang="en-US"/>
               <a:t>Third level</a:t>
             </a:r>
           </a:p>
           <a:p>
             <a:pPr lvl="3"/>
             <a:r>
-              <a:rPr lang="en-US" smtClean="0"/>
+              <a:rPr lang="en-US"/>
               <a:t>Fourth level</a:t>
             </a:r>
           </a:p>
           <a:p>
             <a:pPr lvl="4"/>
             <a:r>
-              <a:rPr lang="en-US" smtClean="0"/>
+              <a:rPr lang="en-US"/>
               <a:t>Fifth level</a:t>
             </a:r>
-            <a:endParaRPr lang="en-US"/>
           </a:p>
         </p:txBody>
       </p:sp>
@@ -2117,7 +2201,7 @@
           <a:p>
             <a:fld id="{78C97017-6FC3-485B-9764-EAC9E56C1D49}" type="datetimeFigureOut">
               <a:rPr lang="en-US" smtClean="0"/>
-              <a:t>10/16/2016</a:t>
+              <a:t>12/15/2018</a:t>
             </a:fld>
             <a:endParaRPr lang="en-US"/>
           </a:p>
@@ -2211,10 +2295,9 @@
           <a:lstStyle/>
           <a:p>
             <a:r>
-              <a:rPr lang="en-US" smtClean="0"/>
+              <a:rPr lang="en-US"/>
               <a:t>Click to edit Master title style</a:t>
             </a:r>
-            <a:endParaRPr lang="en-US"/>
           </a:p>
         </p:txBody>
       </p:sp>
@@ -2235,7 +2318,7 @@
           <a:p>
             <a:fld id="{78C97017-6FC3-485B-9764-EAC9E56C1D49}" type="datetimeFigureOut">
               <a:rPr lang="en-US" smtClean="0"/>
-              <a:t>10/16/2016</a:t>
+              <a:t>12/15/2018</a:t>
             </a:fld>
             <a:endParaRPr lang="en-US"/>
           </a:p>
@@ -2330,7 +2413,7 @@
           <a:p>
             <a:fld id="{78C97017-6FC3-485B-9764-EAC9E56C1D49}" type="datetimeFigureOut">
               <a:rPr lang="en-US" smtClean="0"/>
-              <a:t>10/16/2016</a:t>
+              <a:t>12/15/2018</a:t>
             </a:fld>
             <a:endParaRPr lang="en-US"/>
           </a:p>
@@ -2433,10 +2516,9 @@
           </a:lstStyle>
           <a:p>
             <a:r>
-              <a:rPr lang="en-US" smtClean="0"/>
+              <a:rPr lang="en-US"/>
               <a:t>Click to edit Master title style</a:t>
             </a:r>
-            <a:endParaRPr lang="en-US"/>
           </a:p>
         </p:txBody>
       </p:sp>
@@ -2490,38 +2572,37 @@
           <a:p>
             <a:pPr lvl="0"/>
             <a:r>
-              <a:rPr lang="en-US" smtClean="0"/>
+              <a:rPr lang="en-US"/>
               <a:t>Click to edit Master text styles</a:t>
             </a:r>
           </a:p>
           <a:p>
             <a:pPr lvl="1"/>
             <a:r>
-              <a:rPr lang="en-US" smtClean="0"/>
+              <a:rPr lang="en-US"/>
               <a:t>Second level</a:t>
             </a:r>
           </a:p>
           <a:p>
             <a:pPr lvl="2"/>
             <a:r>
-              <a:rPr lang="en-US" smtClean="0"/>
+              <a:rPr lang="en-US"/>
               <a:t>Third level</a:t>
             </a:r>
           </a:p>
           <a:p>
             <a:pPr lvl="3"/>
             <a:r>
-              <a:rPr lang="en-US" smtClean="0"/>
+              <a:rPr lang="en-US"/>
               <a:t>Fourth level</a:t>
             </a:r>
           </a:p>
           <a:p>
             <a:pPr lvl="4"/>
             <a:r>
-              <a:rPr lang="en-US" smtClean="0"/>
+              <a:rPr lang="en-US"/>
               <a:t>Fifth level</a:t>
             </a:r>
-            <a:endParaRPr lang="en-US"/>
           </a:p>
         </p:txBody>
       </p:sp>
@@ -2584,7 +2665,7 @@
           <a:p>
             <a:pPr lvl="0"/>
             <a:r>
-              <a:rPr lang="en-US" smtClean="0"/>
+              <a:rPr lang="en-US"/>
               <a:t>Click to edit Master text styles</a:t>
             </a:r>
           </a:p>
@@ -2607,7 +2688,7 @@
           <a:p>
             <a:fld id="{78C97017-6FC3-485B-9764-EAC9E56C1D49}" type="datetimeFigureOut">
               <a:rPr lang="en-US" smtClean="0"/>
-              <a:t>10/16/2016</a:t>
+              <a:t>12/15/2018</a:t>
             </a:fld>
             <a:endParaRPr lang="en-US"/>
           </a:p>
@@ -2710,10 +2791,9 @@
           </a:lstStyle>
           <a:p>
             <a:r>
-              <a:rPr lang="en-US" smtClean="0"/>
+              <a:rPr lang="en-US"/>
               <a:t>Click to edit Master title style</a:t>
             </a:r>
-            <a:endParaRPr lang="en-US"/>
           </a:p>
         </p:txBody>
       </p:sp>
@@ -2837,7 +2917,7 @@
           <a:p>
             <a:pPr lvl="0"/>
             <a:r>
-              <a:rPr lang="en-US" smtClean="0"/>
+              <a:rPr lang="en-US"/>
               <a:t>Click to edit Master text styles</a:t>
             </a:r>
           </a:p>
@@ -2860,7 +2940,7 @@
           <a:p>
             <a:fld id="{78C97017-6FC3-485B-9764-EAC9E56C1D49}" type="datetimeFigureOut">
               <a:rPr lang="en-US" smtClean="0"/>
-              <a:t>10/16/2016</a:t>
+              <a:t>12/15/2018</a:t>
             </a:fld>
             <a:endParaRPr lang="en-US"/>
           </a:p>
@@ -2969,10 +3049,9 @@
           <a:lstStyle/>
           <a:p>
             <a:r>
-              <a:rPr lang="en-US" smtClean="0"/>
+              <a:rPr lang="en-US"/>
               <a:t>Click to edit Master title style</a:t>
             </a:r>
-            <a:endParaRPr lang="en-US"/>
           </a:p>
         </p:txBody>
       </p:sp>
@@ -3003,38 +3082,37 @@
           <a:p>
             <a:pPr lvl="0"/>
             <a:r>
-              <a:rPr lang="en-US" smtClean="0"/>
+              <a:rPr lang="en-US"/>
               <a:t>Click to edit Master text styles</a:t>
             </a:r>
           </a:p>
           <a:p>
             <a:pPr lvl="1"/>
             <a:r>
-              <a:rPr lang="en-US" smtClean="0"/>
+              <a:rPr lang="en-US"/>
               <a:t>Second level</a:t>
             </a:r>
           </a:p>
           <a:p>
             <a:pPr lvl="2"/>
             <a:r>
-              <a:rPr lang="en-US" smtClean="0"/>
+              <a:rPr lang="en-US"/>
               <a:t>Third level</a:t>
             </a:r>
           </a:p>
           <a:p>
             <a:pPr lvl="3"/>
             <a:r>
-              <a:rPr lang="en-US" smtClean="0"/>
+              <a:rPr lang="en-US"/>
               <a:t>Fourth level</a:t>
             </a:r>
           </a:p>
           <a:p>
             <a:pPr lvl="4"/>
             <a:r>
-              <a:rPr lang="en-US" smtClean="0"/>
+              <a:rPr lang="en-US"/>
               <a:t>Fifth level</a:t>
             </a:r>
-            <a:endParaRPr lang="en-US"/>
           </a:p>
         </p:txBody>
       </p:sp>
@@ -3073,7 +3151,7 @@
           <a:p>
             <a:fld id="{78C97017-6FC3-485B-9764-EAC9E56C1D49}" type="datetimeFigureOut">
               <a:rPr lang="en-US" smtClean="0"/>
-              <a:t>10/16/2016</a:t>
+              <a:t>12/15/2018</a:t>
             </a:fld>
             <a:endParaRPr lang="en-US"/>
           </a:p>
@@ -3456,7 +3534,7 @@
         </p:nvSpPr>
         <p:spPr>
           <a:xfrm>
-            <a:off x="1111860" y="607926"/>
+            <a:off x="1905000" y="2209800"/>
             <a:ext cx="1093635" cy="346760"/>
           </a:xfrm>
           <a:prstGeom prst="rect">
@@ -3492,7 +3570,7 @@
           <a:p>
             <a:pPr algn="ctr"/>
             <a:r>
-              <a:rPr lang="en-US" sz="1600" dirty="0" smtClean="0">
+              <a:rPr lang="en-US" sz="1600" dirty="0">
                 <a:solidFill>
                   <a:schemeClr val="bg1"/>
                 </a:solidFill>
@@ -3510,13 +3588,15 @@
       <p:cxnSp>
         <p:nvCxnSpPr>
           <p:cNvPr id="5" name="Straight Connector 4"/>
-          <p:cNvCxnSpPr/>
+          <p:cNvCxnSpPr>
+            <a:cxnSpLocks/>
+          </p:cNvCxnSpPr>
           <p:nvPr/>
         </p:nvCxnSpPr>
         <p:spPr>
           <a:xfrm>
-            <a:off x="1658677" y="971597"/>
-            <a:ext cx="0" cy="1723059"/>
+            <a:off x="2422261" y="2573471"/>
+            <a:ext cx="0" cy="2236189"/>
           </a:xfrm>
           <a:prstGeom prst="line">
             <a:avLst/>
@@ -3552,8 +3632,8 @@
         </p:nvSpPr>
         <p:spPr>
           <a:xfrm>
-            <a:off x="1586669" y="1322292"/>
-            <a:ext cx="152400" cy="1019910"/>
+            <a:off x="2350253" y="2924166"/>
+            <a:ext cx="152400" cy="1733094"/>
           </a:xfrm>
           <a:prstGeom prst="rect">
             <a:avLst/>
@@ -3603,7 +3683,7 @@
         </p:nvGrpSpPr>
         <p:grpSpPr>
           <a:xfrm>
-            <a:off x="152400" y="533400"/>
+            <a:off x="910815" y="2146326"/>
             <a:ext cx="324036" cy="573410"/>
             <a:chOff x="3239901" y="4149080"/>
             <a:chExt cx="648072" cy="1146820"/>
@@ -3820,7 +3900,7 @@
         </p:nvSpPr>
         <p:spPr>
           <a:xfrm>
-            <a:off x="3335583" y="611613"/>
+            <a:off x="3560206" y="2217153"/>
             <a:ext cx="1093635" cy="346760"/>
           </a:xfrm>
           <a:prstGeom prst="rect">
@@ -3856,7 +3936,7 @@
           <a:p>
             <a:pPr algn="ctr"/>
             <a:r>
-              <a:rPr lang="en-US" sz="1600" dirty="0" smtClean="0">
+              <a:rPr lang="en-US" sz="1600" dirty="0">
                 <a:solidFill>
                   <a:schemeClr val="bg1"/>
                 </a:solidFill>
@@ -3874,13 +3954,15 @@
       <p:cxnSp>
         <p:nvCxnSpPr>
           <p:cNvPr id="17" name="Straight Connector 16"/>
-          <p:cNvCxnSpPr/>
+          <p:cNvCxnSpPr>
+            <a:cxnSpLocks/>
+          </p:cNvCxnSpPr>
           <p:nvPr/>
         </p:nvCxnSpPr>
         <p:spPr>
           <a:xfrm>
-            <a:off x="3882400" y="975284"/>
-            <a:ext cx="0" cy="1723059"/>
+            <a:off x="4107023" y="2580824"/>
+            <a:ext cx="0" cy="2232502"/>
           </a:xfrm>
           <a:prstGeom prst="line">
             <a:avLst/>
@@ -3916,8 +3998,8 @@
         </p:nvSpPr>
         <p:spPr>
           <a:xfrm>
-            <a:off x="3810392" y="1433477"/>
-            <a:ext cx="144016" cy="832525"/>
+            <a:off x="4035015" y="3039017"/>
+            <a:ext cx="152376" cy="1477495"/>
           </a:xfrm>
           <a:prstGeom prst="rect">
             <a:avLst/>
@@ -3967,7 +4049,7 @@
         </p:nvSpPr>
         <p:spPr>
           <a:xfrm>
-            <a:off x="5316783" y="607926"/>
+            <a:off x="5215412" y="2213466"/>
             <a:ext cx="1093635" cy="346760"/>
           </a:xfrm>
           <a:prstGeom prst="rect">
@@ -4003,7 +4085,7 @@
           <a:p>
             <a:pPr algn="ctr"/>
             <a:r>
-              <a:rPr lang="en-US" sz="1600" dirty="0" smtClean="0">
+              <a:rPr lang="en-US" sz="1600" dirty="0">
                 <a:solidFill>
                   <a:schemeClr val="bg1"/>
                 </a:solidFill>
@@ -4021,13 +4103,15 @@
       <p:cxnSp>
         <p:nvCxnSpPr>
           <p:cNvPr id="20" name="Straight Connector 19"/>
-          <p:cNvCxnSpPr/>
+          <p:cNvCxnSpPr>
+            <a:cxnSpLocks/>
+          </p:cNvCxnSpPr>
           <p:nvPr/>
         </p:nvCxnSpPr>
         <p:spPr>
           <a:xfrm>
-            <a:off x="5863600" y="971597"/>
-            <a:ext cx="0" cy="1723059"/>
+            <a:off x="5762229" y="2577137"/>
+            <a:ext cx="0" cy="2236189"/>
           </a:xfrm>
           <a:prstGeom prst="line">
             <a:avLst/>
@@ -4063,8 +4147,8 @@
         </p:nvSpPr>
         <p:spPr>
           <a:xfrm>
-            <a:off x="5791592" y="1538408"/>
-            <a:ext cx="142006" cy="651394"/>
+            <a:off x="5690221" y="3143948"/>
+            <a:ext cx="142006" cy="476510"/>
           </a:xfrm>
           <a:prstGeom prst="rect">
             <a:avLst/>
@@ -4109,13 +4193,15 @@
       <p:cxnSp>
         <p:nvCxnSpPr>
           <p:cNvPr id="23" name="Straight Arrow Connector 22"/>
-          <p:cNvCxnSpPr/>
+          <p:cNvCxnSpPr>
+            <a:cxnSpLocks/>
+          </p:cNvCxnSpPr>
           <p:nvPr/>
         </p:nvCxnSpPr>
         <p:spPr>
-          <a:xfrm>
-            <a:off x="466818" y="1325979"/>
-            <a:ext cx="1119851" cy="0"/>
+          <a:xfrm flipV="1">
+            <a:off x="1263008" y="2931519"/>
+            <a:ext cx="1095607" cy="1"/>
           </a:xfrm>
           <a:prstGeom prst="straightConnector1">
             <a:avLst/>
@@ -4150,7 +4236,7 @@
         </p:nvSpPr>
         <p:spPr>
           <a:xfrm>
-            <a:off x="466818" y="1345880"/>
+            <a:off x="1345305" y="2989204"/>
             <a:ext cx="860170" cy="215444"/>
           </a:xfrm>
           <a:prstGeom prst="rect">
@@ -4164,24 +4250,26 @@
           </a:bodyPr>
           <a:lstStyle/>
           <a:p>
-            <a:r>
-              <a:rPr lang="en-US" sz="1400" dirty="0" smtClean="0"/>
+            <a:pPr algn="ctr"/>
+            <a:r>
+              <a:rPr lang="en-US" sz="1400" dirty="0"/>
               <a:t>delete 1</a:t>
             </a:r>
-            <a:endParaRPr lang="en-US" sz="1400" dirty="0"/>
           </a:p>
         </p:txBody>
       </p:sp>
       <p:cxnSp>
         <p:nvCxnSpPr>
           <p:cNvPr id="25" name="Straight Arrow Connector 24"/>
-          <p:cNvCxnSpPr/>
+          <p:cNvCxnSpPr>
+            <a:cxnSpLocks/>
+          </p:cNvCxnSpPr>
           <p:nvPr/>
         </p:nvCxnSpPr>
         <p:spPr>
           <a:xfrm>
-            <a:off x="1739069" y="1433478"/>
-            <a:ext cx="2071323" cy="0"/>
+            <a:off x="2518129" y="3039017"/>
+            <a:ext cx="1516886" cy="1"/>
           </a:xfrm>
           <a:prstGeom prst="straightConnector1">
             <a:avLst/>
@@ -4216,7 +4304,7 @@
         </p:nvSpPr>
         <p:spPr>
           <a:xfrm>
-            <a:off x="2166172" y="1453379"/>
+            <a:off x="2552219" y="3082866"/>
             <a:ext cx="1424846" cy="215444"/>
           </a:xfrm>
           <a:prstGeom prst="rect">
@@ -4230,32 +4318,30 @@
           </a:bodyPr>
           <a:lstStyle/>
           <a:p>
-            <a:r>
-              <a:rPr lang="en-US" sz="1400" dirty="0" smtClean="0">
+            <a:pPr algn="ctr"/>
+            <a:r>
+              <a:rPr lang="en-US" sz="1400" dirty="0">
                 <a:solidFill>
                   <a:srgbClr val="0070C0"/>
                 </a:solidFill>
               </a:rPr>
               <a:t>execute(“delete 1”)</a:t>
             </a:r>
-            <a:endParaRPr lang="en-US" sz="1400" dirty="0">
-              <a:solidFill>
-                <a:srgbClr val="0070C0"/>
-              </a:solidFill>
-            </a:endParaRPr>
           </a:p>
         </p:txBody>
       </p:sp>
       <p:cxnSp>
         <p:nvCxnSpPr>
           <p:cNvPr id="28" name="Straight Arrow Connector 27"/>
-          <p:cNvCxnSpPr/>
+          <p:cNvCxnSpPr>
+            <a:cxnSpLocks/>
+          </p:cNvCxnSpPr>
           <p:nvPr/>
         </p:nvCxnSpPr>
         <p:spPr>
-          <a:xfrm>
-            <a:off x="3954408" y="1538409"/>
-            <a:ext cx="1837184" cy="0"/>
+          <a:xfrm flipV="1">
+            <a:off x="4179031" y="3143948"/>
+            <a:ext cx="1532384" cy="1"/>
           </a:xfrm>
           <a:prstGeom prst="straightConnector1">
             <a:avLst/>
@@ -4290,8 +4376,8 @@
         </p:nvSpPr>
         <p:spPr>
           <a:xfrm>
-            <a:off x="4299772" y="1542583"/>
-            <a:ext cx="1424846" cy="215444"/>
+            <a:off x="4371378" y="3150453"/>
+            <a:ext cx="1228707" cy="215444"/>
           </a:xfrm>
           <a:prstGeom prst="rect">
             <a:avLst/>
@@ -4304,8 +4390,9 @@
           </a:bodyPr>
           <a:lstStyle/>
           <a:p>
-            <a:r>
-              <a:rPr lang="en-US" sz="1400" dirty="0" err="1" smtClean="0">
+            <a:pPr algn="ctr"/>
+            <a:r>
+              <a:rPr lang="en-US" sz="1400" dirty="0" err="1">
                 <a:solidFill>
                   <a:srgbClr val="7030A0"/>
                 </a:solidFill>
@@ -4313,93 +4400,28 @@
               <a:t>deletePerson</a:t>
             </a:r>
             <a:r>
-              <a:rPr lang="en-US" sz="1400" dirty="0" smtClean="0">
+              <a:rPr lang="en-US" sz="1400" dirty="0">
                 <a:solidFill>
                   <a:srgbClr val="7030A0"/>
                 </a:solidFill>
               </a:rPr>
               <a:t>(p)</a:t>
             </a:r>
-            <a:endParaRPr lang="en-US" sz="1400" dirty="0">
-              <a:solidFill>
-                <a:srgbClr val="7030A0"/>
-              </a:solidFill>
-            </a:endParaRPr>
-          </a:p>
-        </p:txBody>
-      </p:sp>
-      <p:sp>
-        <p:nvSpPr>
-          <p:cNvPr id="33" name="TextBox 32"/>
-          <p:cNvSpPr txBox="1"/>
-          <p:nvPr/>
-        </p:nvSpPr>
-        <p:spPr>
-          <a:xfrm>
-            <a:off x="6074030" y="1687656"/>
-            <a:ext cx="2438400" cy="215444"/>
-          </a:xfrm>
-          <a:prstGeom prst="rect">
-            <a:avLst/>
-          </a:prstGeom>
-          <a:noFill/>
-        </p:spPr>
-        <p:txBody>
-          <a:bodyPr wrap="square" lIns="0" tIns="0" rIns="0" bIns="0" rtlCol="0">
-            <a:spAutoFit/>
-          </a:bodyPr>
-          <a:lstStyle/>
-          <a:p>
-            <a:r>
-              <a:rPr lang="en-US" sz="1400" dirty="0" smtClean="0">
-                <a:solidFill>
-                  <a:schemeClr val="accent5">
-                    <a:lumMod val="75000"/>
-                  </a:schemeClr>
-                </a:solidFill>
-              </a:rPr>
-              <a:t>post(</a:t>
-            </a:r>
-            <a:r>
-              <a:rPr lang="en-US" sz="1400" dirty="0" err="1" smtClean="0">
-                <a:solidFill>
-                  <a:schemeClr val="accent5">
-                    <a:lumMod val="75000"/>
-                  </a:schemeClr>
-                </a:solidFill>
-              </a:rPr>
-              <a:t>AddressBookChangedEvent</a:t>
-            </a:r>
-            <a:r>
-              <a:rPr lang="en-US" sz="1400" dirty="0" smtClean="0">
-                <a:solidFill>
-                  <a:schemeClr val="accent5">
-                    <a:lumMod val="75000"/>
-                  </a:schemeClr>
-                </a:solidFill>
-              </a:rPr>
-              <a:t>)</a:t>
-            </a:r>
-            <a:endParaRPr lang="en-US" sz="1400" dirty="0">
-              <a:solidFill>
-                <a:schemeClr val="accent5">
-                  <a:lumMod val="75000"/>
-                </a:schemeClr>
-              </a:solidFill>
-            </a:endParaRPr>
           </a:p>
         </p:txBody>
       </p:sp>
       <p:cxnSp>
         <p:nvCxnSpPr>
           <p:cNvPr id="34" name="Straight Arrow Connector 33"/>
-          <p:cNvCxnSpPr/>
+          <p:cNvCxnSpPr>
+            <a:cxnSpLocks/>
+          </p:cNvCxnSpPr>
           <p:nvPr/>
         </p:nvCxnSpPr>
         <p:spPr>
           <a:xfrm>
-            <a:off x="3954408" y="2190681"/>
-            <a:ext cx="1837184" cy="0"/>
+            <a:off x="4157837" y="3594126"/>
+            <a:ext cx="1532384" cy="0"/>
           </a:xfrm>
           <a:prstGeom prst="straightConnector1">
             <a:avLst/>
@@ -4431,13 +4453,15 @@
       <p:cxnSp>
         <p:nvCxnSpPr>
           <p:cNvPr id="35" name="Straight Arrow Connector 34"/>
-          <p:cNvCxnSpPr/>
+          <p:cNvCxnSpPr>
+            <a:cxnSpLocks/>
+          </p:cNvCxnSpPr>
           <p:nvPr/>
         </p:nvCxnSpPr>
         <p:spPr>
           <a:xfrm>
-            <a:off x="1739069" y="2266002"/>
-            <a:ext cx="2058118" cy="0"/>
+            <a:off x="2502653" y="4507812"/>
+            <a:ext cx="1532362" cy="0"/>
           </a:xfrm>
           <a:prstGeom prst="straightConnector1">
             <a:avLst/>
@@ -4469,13 +4493,15 @@
       <p:cxnSp>
         <p:nvCxnSpPr>
           <p:cNvPr id="37" name="Straight Arrow Connector 36"/>
-          <p:cNvCxnSpPr/>
+          <p:cNvCxnSpPr>
+            <a:cxnSpLocks/>
+          </p:cNvCxnSpPr>
           <p:nvPr/>
         </p:nvCxnSpPr>
         <p:spPr>
           <a:xfrm>
-            <a:off x="390618" y="2342202"/>
-            <a:ext cx="1196051" cy="0"/>
+            <a:off x="1263008" y="4657260"/>
+            <a:ext cx="1087245" cy="0"/>
           </a:xfrm>
           <a:prstGeom prst="straightConnector1">
             <a:avLst/>
@@ -4506,254 +4532,13 @@
       </p:cxnSp>
       <p:sp>
         <p:nvSpPr>
-          <p:cNvPr id="39" name="Rectangle 62"/>
-          <p:cNvSpPr/>
-          <p:nvPr/>
-        </p:nvSpPr>
-        <p:spPr>
-          <a:xfrm>
-            <a:off x="7696200" y="591251"/>
-            <a:ext cx="1371600" cy="346760"/>
-          </a:xfrm>
-          <a:prstGeom prst="rect">
-            <a:avLst/>
-          </a:prstGeom>
-          <a:solidFill>
-            <a:schemeClr val="accent5">
-              <a:lumMod val="75000"/>
-            </a:schemeClr>
-          </a:solidFill>
-          <a:ln w="19050">
-            <a:solidFill>
-              <a:schemeClr val="accent5">
-                <a:lumMod val="75000"/>
-              </a:schemeClr>
-            </a:solidFill>
-          </a:ln>
-          <a:effectLst/>
-        </p:spPr>
-        <p:style>
-          <a:lnRef idx="1">
-            <a:schemeClr val="accent2"/>
-          </a:lnRef>
-          <a:fillRef idx="2">
-            <a:schemeClr val="accent2"/>
-          </a:fillRef>
-          <a:effectRef idx="1">
-            <a:schemeClr val="accent2"/>
-          </a:effectRef>
-          <a:fontRef idx="minor">
-            <a:schemeClr val="dk1"/>
-          </a:fontRef>
-        </p:style>
-        <p:txBody>
-          <a:bodyPr rtlCol="0" anchor="ctr"/>
-          <a:lstStyle/>
-          <a:p>
-            <a:pPr algn="ctr"/>
-            <a:r>
-              <a:rPr lang="en-US" sz="1600" dirty="0" smtClean="0">
-                <a:solidFill>
-                  <a:schemeClr val="bg1"/>
-                </a:solidFill>
-              </a:rPr>
-              <a:t>:</a:t>
-            </a:r>
-            <a:r>
-              <a:rPr lang="en-US" sz="1600" dirty="0" err="1" smtClean="0">
-                <a:solidFill>
-                  <a:schemeClr val="bg1"/>
-                </a:solidFill>
-              </a:rPr>
-              <a:t>EventsCenter</a:t>
-            </a:r>
-            <a:endParaRPr lang="en-SG" sz="1600" dirty="0">
-              <a:solidFill>
-                <a:schemeClr val="bg1"/>
-              </a:solidFill>
-            </a:endParaRPr>
-          </a:p>
-        </p:txBody>
-      </p:sp>
-      <p:cxnSp>
-        <p:nvCxnSpPr>
-          <p:cNvPr id="40" name="Straight Connector 39"/>
-          <p:cNvCxnSpPr/>
-          <p:nvPr/>
-        </p:nvCxnSpPr>
-        <p:spPr>
-          <a:xfrm>
-            <a:off x="8616802" y="944305"/>
-            <a:ext cx="0" cy="1723059"/>
-          </a:xfrm>
-          <a:prstGeom prst="line">
-            <a:avLst/>
-          </a:prstGeom>
-          <a:ln w="19050">
-            <a:solidFill>
-              <a:schemeClr val="accent5">
-                <a:lumMod val="75000"/>
-              </a:schemeClr>
-            </a:solidFill>
-            <a:prstDash val="sysDash"/>
-          </a:ln>
-          <a:effectLst/>
-        </p:spPr>
-        <p:style>
-          <a:lnRef idx="1">
-            <a:schemeClr val="accent1"/>
-          </a:lnRef>
-          <a:fillRef idx="2">
-            <a:schemeClr val="accent1"/>
-          </a:fillRef>
-          <a:effectRef idx="1">
-            <a:schemeClr val="accent1"/>
-          </a:effectRef>
-          <a:fontRef idx="minor">
-            <a:schemeClr val="dk1"/>
-          </a:fontRef>
-        </p:style>
-      </p:cxnSp>
-      <p:sp>
-        <p:nvSpPr>
-          <p:cNvPr id="41" name="Rectangle 40"/>
-          <p:cNvSpPr/>
-          <p:nvPr/>
-        </p:nvSpPr>
-        <p:spPr>
-          <a:xfrm>
-            <a:off x="8544794" y="1961202"/>
-            <a:ext cx="142006" cy="176787"/>
-          </a:xfrm>
-          <a:prstGeom prst="rect">
-            <a:avLst/>
-          </a:prstGeom>
-          <a:solidFill>
-            <a:schemeClr val="accent5">
-              <a:lumMod val="75000"/>
-            </a:schemeClr>
-          </a:solidFill>
-          <a:ln>
-            <a:solidFill>
-              <a:schemeClr val="accent5">
-                <a:lumMod val="75000"/>
-              </a:schemeClr>
-            </a:solidFill>
-          </a:ln>
-          <a:effectLst/>
-        </p:spPr>
-        <p:style>
-          <a:lnRef idx="1">
-            <a:schemeClr val="accent3"/>
-          </a:lnRef>
-          <a:fillRef idx="2">
-            <a:schemeClr val="accent3"/>
-          </a:fillRef>
-          <a:effectRef idx="1">
-            <a:schemeClr val="accent3"/>
-          </a:effectRef>
-          <a:fontRef idx="minor">
-            <a:schemeClr val="dk1"/>
-          </a:fontRef>
-        </p:style>
-        <p:txBody>
-          <a:bodyPr rtlCol="0" anchor="ctr"/>
-          <a:lstStyle/>
-          <a:p>
-            <a:pPr algn="ctr"/>
-            <a:endParaRPr lang="en-SG" sz="1400">
-              <a:solidFill>
-                <a:schemeClr val="dk1"/>
-              </a:solidFill>
-            </a:endParaRPr>
-          </a:p>
-        </p:txBody>
-      </p:sp>
-      <p:cxnSp>
-        <p:nvCxnSpPr>
-          <p:cNvPr id="42" name="Straight Arrow Connector 41"/>
-          <p:cNvCxnSpPr/>
-          <p:nvPr/>
-        </p:nvCxnSpPr>
-        <p:spPr>
-          <a:xfrm>
-            <a:off x="5943992" y="1961202"/>
-            <a:ext cx="2568438" cy="0"/>
-          </a:xfrm>
-          <a:prstGeom prst="straightConnector1">
-            <a:avLst/>
-          </a:prstGeom>
-          <a:ln w="19050">
-            <a:solidFill>
-              <a:srgbClr val="7030A0"/>
-            </a:solidFill>
-            <a:tailEnd type="arrow"/>
-          </a:ln>
-        </p:spPr>
-        <p:style>
-          <a:lnRef idx="1">
-            <a:schemeClr val="accent1"/>
-          </a:lnRef>
-          <a:fillRef idx="0">
-            <a:schemeClr val="accent1"/>
-          </a:fillRef>
-          <a:effectRef idx="0">
-            <a:schemeClr val="accent1"/>
-          </a:effectRef>
-          <a:fontRef idx="minor">
-            <a:schemeClr val="tx1"/>
-          </a:fontRef>
-        </p:style>
-      </p:cxnSp>
-      <p:cxnSp>
-        <p:nvCxnSpPr>
-          <p:cNvPr id="44" name="Straight Arrow Connector 43"/>
-          <p:cNvCxnSpPr/>
-          <p:nvPr/>
-        </p:nvCxnSpPr>
-        <p:spPr>
-          <a:xfrm>
-            <a:off x="5943992" y="2137989"/>
-            <a:ext cx="2549946" cy="0"/>
-          </a:xfrm>
-          <a:prstGeom prst="straightConnector1">
-            <a:avLst/>
-          </a:prstGeom>
-          <a:ln w="19050">
-            <a:solidFill>
-              <a:schemeClr val="accent5">
-                <a:lumMod val="75000"/>
-              </a:schemeClr>
-            </a:solidFill>
-            <a:prstDash val="sysDash"/>
-            <a:headEnd type="arrow" w="med" len="med"/>
-            <a:tailEnd type="none" w="med" len="med"/>
-          </a:ln>
-        </p:spPr>
-        <p:style>
-          <a:lnRef idx="1">
-            <a:schemeClr val="accent1"/>
-          </a:lnRef>
-          <a:fillRef idx="0">
-            <a:schemeClr val="accent1"/>
-          </a:fillRef>
-          <a:effectRef idx="0">
-            <a:schemeClr val="accent1"/>
-          </a:effectRef>
-          <a:fontRef idx="minor">
-            <a:schemeClr val="tx1"/>
-          </a:fontRef>
-        </p:style>
-      </p:cxnSp>
-      <p:sp>
-        <p:nvSpPr>
           <p:cNvPr id="53" name="Rectangle 62"/>
           <p:cNvSpPr/>
           <p:nvPr/>
         </p:nvSpPr>
         <p:spPr>
           <a:xfrm>
-            <a:off x="7370178" y="4278322"/>
+            <a:off x="6870618" y="2213466"/>
             <a:ext cx="1093635" cy="346760"/>
           </a:xfrm>
           <a:prstGeom prst="rect">
@@ -4793,7 +4578,7 @@
           <a:p>
             <a:pPr algn="ctr"/>
             <a:r>
-              <a:rPr lang="en-US" sz="1600" dirty="0" smtClean="0">
+              <a:rPr lang="en-US" sz="1600" dirty="0">
                 <a:solidFill>
                   <a:schemeClr val="bg1"/>
                 </a:solidFill>
@@ -4811,13 +4596,15 @@
       <p:cxnSp>
         <p:nvCxnSpPr>
           <p:cNvPr id="54" name="Straight Connector 53"/>
-          <p:cNvCxnSpPr/>
+          <p:cNvCxnSpPr>
+            <a:cxnSpLocks/>
+          </p:cNvCxnSpPr>
           <p:nvPr/>
         </p:nvCxnSpPr>
         <p:spPr>
           <a:xfrm>
-            <a:off x="7916995" y="4641993"/>
-            <a:ext cx="0" cy="1723059"/>
+            <a:off x="7417435" y="2538761"/>
+            <a:ext cx="0" cy="2274565"/>
           </a:xfrm>
           <a:prstGeom prst="line">
             <a:avLst/>
@@ -4855,8 +4642,8 @@
         </p:nvSpPr>
         <p:spPr>
           <a:xfrm>
-            <a:off x="7844987" y="5335662"/>
-            <a:ext cx="124478" cy="287409"/>
+            <a:off x="7351124" y="3879150"/>
+            <a:ext cx="124478" cy="457919"/>
           </a:xfrm>
           <a:prstGeom prst="rect">
             <a:avLst/>
@@ -4902,78 +4689,19 @@
           </a:p>
         </p:txBody>
       </p:sp>
-      <p:sp>
-        <p:nvSpPr>
-          <p:cNvPr id="62" name="TextBox 61"/>
-          <p:cNvSpPr txBox="1"/>
-          <p:nvPr/>
-        </p:nvSpPr>
-        <p:spPr>
-          <a:xfrm>
-            <a:off x="1810094" y="4797674"/>
-            <a:ext cx="2716635" cy="215444"/>
-          </a:xfrm>
-          <a:prstGeom prst="rect">
-            <a:avLst/>
-          </a:prstGeom>
-          <a:noFill/>
-        </p:spPr>
-        <p:txBody>
-          <a:bodyPr wrap="square" lIns="0" tIns="0" rIns="0" bIns="0" rtlCol="0">
-            <a:spAutoFit/>
-          </a:bodyPr>
-          <a:lstStyle/>
-          <a:p>
-            <a:r>
-              <a:rPr lang="en-US" sz="1400" dirty="0" smtClean="0">
-                <a:solidFill>
-                  <a:schemeClr val="accent5">
-                    <a:lumMod val="75000"/>
-                  </a:schemeClr>
-                </a:solidFill>
-              </a:rPr>
-              <a:t>post(</a:t>
-            </a:r>
-            <a:r>
-              <a:rPr lang="en-US" sz="1400" dirty="0" err="1" smtClean="0">
-                <a:solidFill>
-                  <a:schemeClr val="accent5">
-                    <a:lumMod val="75000"/>
-                  </a:schemeClr>
-                </a:solidFill>
-              </a:rPr>
-              <a:t>AddressBookChangedEvent</a:t>
-            </a:r>
-            <a:r>
-              <a:rPr lang="en-US" sz="1400" dirty="0" smtClean="0">
-                <a:solidFill>
-                  <a:schemeClr val="accent5">
-                    <a:lumMod val="75000"/>
-                  </a:schemeClr>
-                </a:solidFill>
-              </a:rPr>
-              <a:t>)</a:t>
-            </a:r>
-            <a:endParaRPr lang="en-US" sz="1400" dirty="0">
-              <a:solidFill>
-                <a:schemeClr val="accent5">
-                  <a:lumMod val="75000"/>
-                </a:schemeClr>
-              </a:solidFill>
-            </a:endParaRPr>
-          </a:p>
-        </p:txBody>
-      </p:sp>
       <p:cxnSp>
         <p:nvCxnSpPr>
           <p:cNvPr id="63" name="Straight Arrow Connector 62"/>
-          <p:cNvCxnSpPr/>
+          <p:cNvCxnSpPr>
+            <a:cxnSpLocks/>
+            <a:stCxn id="55" idx="2"/>
+          </p:cNvCxnSpPr>
           <p:nvPr/>
         </p:nvCxnSpPr>
         <p:spPr>
-          <a:xfrm flipH="1">
-            <a:off x="4526729" y="5623071"/>
-            <a:ext cx="3383941" cy="0"/>
+          <a:xfrm flipH="1" flipV="1">
+            <a:off x="4187393" y="4336999"/>
+            <a:ext cx="3225970" cy="70"/>
           </a:xfrm>
           <a:prstGeom prst="straightConnector1">
             <a:avLst/>
@@ -5006,294 +4734,14 @@
       </p:cxnSp>
       <p:sp>
         <p:nvSpPr>
-          <p:cNvPr id="66" name="Rectangle 62"/>
-          <p:cNvSpPr/>
-          <p:nvPr/>
-        </p:nvSpPr>
-        <p:spPr>
-          <a:xfrm>
-            <a:off x="3791146" y="4295233"/>
-            <a:ext cx="1371600" cy="346760"/>
-          </a:xfrm>
-          <a:prstGeom prst="rect">
-            <a:avLst/>
-          </a:prstGeom>
-          <a:solidFill>
-            <a:schemeClr val="accent5">
-              <a:lumMod val="75000"/>
-            </a:schemeClr>
-          </a:solidFill>
-          <a:ln w="19050">
-            <a:solidFill>
-              <a:schemeClr val="accent5">
-                <a:lumMod val="75000"/>
-              </a:schemeClr>
-            </a:solidFill>
-          </a:ln>
-          <a:effectLst/>
-        </p:spPr>
-        <p:style>
-          <a:lnRef idx="1">
-            <a:schemeClr val="accent2"/>
-          </a:lnRef>
-          <a:fillRef idx="2">
-            <a:schemeClr val="accent2"/>
-          </a:fillRef>
-          <a:effectRef idx="1">
-            <a:schemeClr val="accent2"/>
-          </a:effectRef>
-          <a:fontRef idx="minor">
-            <a:schemeClr val="dk1"/>
-          </a:fontRef>
-        </p:style>
-        <p:txBody>
-          <a:bodyPr rtlCol="0" anchor="ctr"/>
-          <a:lstStyle/>
-          <a:p>
-            <a:pPr algn="ctr"/>
-            <a:r>
-              <a:rPr lang="en-US" sz="1600" dirty="0" smtClean="0">
-                <a:solidFill>
-                  <a:schemeClr val="bg1"/>
-                </a:solidFill>
-              </a:rPr>
-              <a:t>:</a:t>
-            </a:r>
-            <a:r>
-              <a:rPr lang="en-US" sz="1600" dirty="0" err="1" smtClean="0">
-                <a:solidFill>
-                  <a:schemeClr val="bg1"/>
-                </a:solidFill>
-              </a:rPr>
-              <a:t>EventsCenter</a:t>
-            </a:r>
-            <a:endParaRPr lang="en-SG" sz="1600" dirty="0">
-              <a:solidFill>
-                <a:schemeClr val="bg1"/>
-              </a:solidFill>
-            </a:endParaRPr>
-          </a:p>
-        </p:txBody>
-      </p:sp>
-      <p:cxnSp>
-        <p:nvCxnSpPr>
-          <p:cNvPr id="67" name="Straight Connector 66"/>
-          <p:cNvCxnSpPr/>
-          <p:nvPr/>
-        </p:nvCxnSpPr>
-        <p:spPr>
-          <a:xfrm>
-            <a:off x="4456731" y="4648287"/>
-            <a:ext cx="0" cy="1723059"/>
-          </a:xfrm>
-          <a:prstGeom prst="line">
-            <a:avLst/>
-          </a:prstGeom>
-          <a:ln w="19050">
-            <a:solidFill>
-              <a:schemeClr val="accent5">
-                <a:lumMod val="75000"/>
-              </a:schemeClr>
-            </a:solidFill>
-            <a:prstDash val="sysDash"/>
-          </a:ln>
-          <a:effectLst/>
-        </p:spPr>
-        <p:style>
-          <a:lnRef idx="1">
-            <a:schemeClr val="accent1"/>
-          </a:lnRef>
-          <a:fillRef idx="2">
-            <a:schemeClr val="accent1"/>
-          </a:fillRef>
-          <a:effectRef idx="1">
-            <a:schemeClr val="accent1"/>
-          </a:effectRef>
-          <a:fontRef idx="minor">
-            <a:schemeClr val="dk1"/>
-          </a:fontRef>
-        </p:style>
-      </p:cxnSp>
-      <p:sp>
-        <p:nvSpPr>
-          <p:cNvPr id="68" name="Rectangle 67"/>
-          <p:cNvSpPr/>
-          <p:nvPr/>
-        </p:nvSpPr>
-        <p:spPr>
-          <a:xfrm>
-            <a:off x="4384723" y="5071220"/>
-            <a:ext cx="142006" cy="1036757"/>
-          </a:xfrm>
-          <a:prstGeom prst="rect">
-            <a:avLst/>
-          </a:prstGeom>
-          <a:solidFill>
-            <a:schemeClr val="accent5">
-              <a:lumMod val="75000"/>
-            </a:schemeClr>
-          </a:solidFill>
-          <a:ln>
-            <a:solidFill>
-              <a:schemeClr val="accent5">
-                <a:lumMod val="75000"/>
-              </a:schemeClr>
-            </a:solidFill>
-          </a:ln>
-          <a:effectLst/>
-        </p:spPr>
-        <p:style>
-          <a:lnRef idx="1">
-            <a:schemeClr val="accent3"/>
-          </a:lnRef>
-          <a:fillRef idx="2">
-            <a:schemeClr val="accent3"/>
-          </a:fillRef>
-          <a:effectRef idx="1">
-            <a:schemeClr val="accent3"/>
-          </a:effectRef>
-          <a:fontRef idx="minor">
-            <a:schemeClr val="dk1"/>
-          </a:fontRef>
-        </p:style>
-        <p:txBody>
-          <a:bodyPr rtlCol="0" anchor="ctr"/>
-          <a:lstStyle/>
-          <a:p>
-            <a:pPr algn="ctr"/>
-            <a:endParaRPr lang="en-SG" sz="1400">
-              <a:solidFill>
-                <a:schemeClr val="dk1"/>
-              </a:solidFill>
-            </a:endParaRPr>
-          </a:p>
-        </p:txBody>
-      </p:sp>
-      <p:cxnSp>
-        <p:nvCxnSpPr>
-          <p:cNvPr id="69" name="Straight Arrow Connector 68"/>
-          <p:cNvCxnSpPr/>
-          <p:nvPr/>
-        </p:nvCxnSpPr>
-        <p:spPr>
-          <a:xfrm>
-            <a:off x="3078929" y="5071220"/>
-            <a:ext cx="1295400" cy="0"/>
-          </a:xfrm>
-          <a:prstGeom prst="straightConnector1">
-            <a:avLst/>
-          </a:prstGeom>
-          <a:ln w="19050">
-            <a:solidFill>
-              <a:srgbClr val="7030A0"/>
-            </a:solidFill>
-            <a:tailEnd type="arrow"/>
-          </a:ln>
-        </p:spPr>
-        <p:style>
-          <a:lnRef idx="1">
-            <a:schemeClr val="accent1"/>
-          </a:lnRef>
-          <a:fillRef idx="0">
-            <a:schemeClr val="accent1"/>
-          </a:fillRef>
-          <a:effectRef idx="0">
-            <a:schemeClr val="accent1"/>
-          </a:effectRef>
-          <a:fontRef idx="minor">
-            <a:schemeClr val="tx1"/>
-          </a:fontRef>
-        </p:style>
-      </p:cxnSp>
-      <p:cxnSp>
-        <p:nvCxnSpPr>
-          <p:cNvPr id="70" name="Straight Arrow Connector 69"/>
-          <p:cNvCxnSpPr/>
-          <p:nvPr/>
-        </p:nvCxnSpPr>
-        <p:spPr>
-          <a:xfrm>
-            <a:off x="2975642" y="6107977"/>
-            <a:ext cx="1448755" cy="0"/>
-          </a:xfrm>
-          <a:prstGeom prst="straightConnector1">
-            <a:avLst/>
-          </a:prstGeom>
-          <a:ln w="19050">
-            <a:solidFill>
-              <a:schemeClr val="accent5">
-                <a:lumMod val="75000"/>
-              </a:schemeClr>
-            </a:solidFill>
-            <a:prstDash val="sysDash"/>
-            <a:headEnd type="arrow" w="med" len="med"/>
-            <a:tailEnd type="none" w="med" len="med"/>
-          </a:ln>
-        </p:spPr>
-        <p:style>
-          <a:lnRef idx="1">
-            <a:schemeClr val="accent1"/>
-          </a:lnRef>
-          <a:fillRef idx="0">
-            <a:schemeClr val="accent1"/>
-          </a:fillRef>
-          <a:effectRef idx="0">
-            <a:schemeClr val="accent1"/>
-          </a:effectRef>
-          <a:fontRef idx="minor">
-            <a:schemeClr val="tx1"/>
-          </a:fontRef>
-        </p:style>
-      </p:cxnSp>
-      <p:cxnSp>
-        <p:nvCxnSpPr>
-          <p:cNvPr id="72" name="Straight Arrow Connector 71"/>
-          <p:cNvCxnSpPr/>
-          <p:nvPr/>
-        </p:nvCxnSpPr>
-        <p:spPr>
-          <a:xfrm>
-            <a:off x="4526729" y="5341014"/>
-            <a:ext cx="3318258" cy="0"/>
-          </a:xfrm>
-          <a:prstGeom prst="straightConnector1">
-            <a:avLst/>
-          </a:prstGeom>
-          <a:ln w="19050">
-            <a:solidFill>
-              <a:schemeClr val="accent5">
-                <a:lumMod val="75000"/>
-              </a:schemeClr>
-            </a:solidFill>
-            <a:headEnd type="none" w="med" len="med"/>
-            <a:tailEnd type="arrow" w="med" len="med"/>
-          </a:ln>
-        </p:spPr>
-        <p:style>
-          <a:lnRef idx="1">
-            <a:schemeClr val="accent1"/>
-          </a:lnRef>
-          <a:fillRef idx="0">
-            <a:schemeClr val="accent1"/>
-          </a:fillRef>
-          <a:effectRef idx="0">
-            <a:schemeClr val="accent1"/>
-          </a:effectRef>
-          <a:fontRef idx="minor">
-            <a:schemeClr val="tx1"/>
-          </a:fontRef>
-        </p:style>
-      </p:cxnSp>
-      <p:sp>
-        <p:nvSpPr>
           <p:cNvPr id="74" name="TextBox 73"/>
           <p:cNvSpPr txBox="1"/>
           <p:nvPr/>
         </p:nvSpPr>
         <p:spPr>
           <a:xfrm>
-            <a:off x="5036330" y="5065911"/>
-            <a:ext cx="2659870" cy="215444"/>
+            <a:off x="4484157" y="3921005"/>
+            <a:ext cx="2466828" cy="215444"/>
           </a:xfrm>
           <a:prstGeom prst="rect">
             <a:avLst/>
@@ -5306,46 +4754,62 @@
           </a:bodyPr>
           <a:lstStyle/>
           <a:p>
-            <a:r>
-              <a:rPr lang="en-US" sz="1400" dirty="0" err="1" smtClean="0">
+            <a:pPr algn="ctr"/>
+            <a:r>
+              <a:rPr lang="en-US" sz="1400" dirty="0" err="1">
                 <a:solidFill>
                   <a:schemeClr val="accent6">
                     <a:lumMod val="75000"/>
                   </a:schemeClr>
                 </a:solidFill>
               </a:rPr>
-              <a:t>handleAddresssBookChangedEvent</a:t>
-            </a:r>
-            <a:r>
-              <a:rPr lang="en-US" sz="1400" dirty="0" smtClean="0">
+              <a:t>saveAddressBook</a:t>
+            </a:r>
+            <a:r>
+              <a:rPr lang="en-US" sz="1400" dirty="0">
                 <a:solidFill>
                   <a:schemeClr val="accent6">
                     <a:lumMod val="75000"/>
                   </a:schemeClr>
                 </a:solidFill>
               </a:rPr>
-              <a:t>()</a:t>
-            </a:r>
-            <a:endParaRPr lang="en-US" sz="1400" dirty="0">
-              <a:solidFill>
-                <a:schemeClr val="accent6">
-                  <a:lumMod val="75000"/>
-                </a:schemeClr>
-              </a:solidFill>
-            </a:endParaRPr>
+              <a:t>(</a:t>
+            </a:r>
+            <a:r>
+              <a:rPr lang="en-US" sz="1400" dirty="0" err="1">
+                <a:solidFill>
+                  <a:schemeClr val="accent6">
+                    <a:lumMod val="75000"/>
+                  </a:schemeClr>
+                </a:solidFill>
+              </a:rPr>
+              <a:t>AddressBook</a:t>
+            </a:r>
+            <a:r>
+              <a:rPr lang="en-US" sz="1400" dirty="0">
+                <a:solidFill>
+                  <a:schemeClr val="accent6">
+                    <a:lumMod val="75000"/>
+                  </a:schemeClr>
+                </a:solidFill>
+              </a:rPr>
+              <a:t>)</a:t>
+            </a:r>
           </a:p>
         </p:txBody>
       </p:sp>
       <p:cxnSp>
         <p:nvCxnSpPr>
           <p:cNvPr id="85" name="Straight Connector 84"/>
-          <p:cNvCxnSpPr/>
+          <p:cNvCxnSpPr>
+            <a:cxnSpLocks/>
+          </p:cNvCxnSpPr>
           <p:nvPr/>
         </p:nvCxnSpPr>
         <p:spPr>
-          <a:xfrm flipH="1">
-            <a:off x="314394" y="1099672"/>
-            <a:ext cx="24" cy="1598671"/>
+          <a:xfrm>
+            <a:off x="1072833" y="2712598"/>
+            <a:ext cx="0" cy="2100728"/>
           </a:xfrm>
           <a:prstGeom prst="line">
             <a:avLst/>
@@ -5373,474 +4837,6 @@
           </a:fontRef>
         </p:style>
       </p:cxnSp>
-      <p:sp>
-        <p:nvSpPr>
-          <p:cNvPr id="45" name="Rectangle 62"/>
-          <p:cNvSpPr/>
-          <p:nvPr/>
-        </p:nvSpPr>
-        <p:spPr>
-          <a:xfrm>
-            <a:off x="721634" y="4278322"/>
-            <a:ext cx="1093635" cy="346760"/>
-          </a:xfrm>
-          <a:prstGeom prst="rect">
-            <a:avLst/>
-          </a:prstGeom>
-          <a:solidFill>
-            <a:srgbClr val="00B050"/>
-          </a:solidFill>
-          <a:ln w="19050">
-            <a:solidFill>
-              <a:srgbClr val="00B050"/>
-            </a:solidFill>
-          </a:ln>
-          <a:effectLst/>
-        </p:spPr>
-        <p:style>
-          <a:lnRef idx="1">
-            <a:schemeClr val="accent2"/>
-          </a:lnRef>
-          <a:fillRef idx="2">
-            <a:schemeClr val="accent2"/>
-          </a:fillRef>
-          <a:effectRef idx="1">
-            <a:schemeClr val="accent2"/>
-          </a:effectRef>
-          <a:fontRef idx="minor">
-            <a:schemeClr val="dk1"/>
-          </a:fontRef>
-        </p:style>
-        <p:txBody>
-          <a:bodyPr rtlCol="0" anchor="ctr"/>
-          <a:lstStyle/>
-          <a:p>
-            <a:pPr algn="ctr"/>
-            <a:r>
-              <a:rPr lang="en-US" sz="1600" dirty="0" smtClean="0">
-                <a:solidFill>
-                  <a:schemeClr val="bg1"/>
-                </a:solidFill>
-              </a:rPr>
-              <a:t>:UI</a:t>
-            </a:r>
-            <a:endParaRPr lang="en-SG" sz="1600" dirty="0">
-              <a:solidFill>
-                <a:schemeClr val="bg1"/>
-              </a:solidFill>
-            </a:endParaRPr>
-          </a:p>
-        </p:txBody>
-      </p:sp>
-      <p:cxnSp>
-        <p:nvCxnSpPr>
-          <p:cNvPr id="46" name="Straight Connector 45"/>
-          <p:cNvCxnSpPr/>
-          <p:nvPr/>
-        </p:nvCxnSpPr>
-        <p:spPr>
-          <a:xfrm>
-            <a:off x="1268451" y="4641993"/>
-            <a:ext cx="0" cy="1723059"/>
-          </a:xfrm>
-          <a:prstGeom prst="line">
-            <a:avLst/>
-          </a:prstGeom>
-          <a:ln w="19050">
-            <a:solidFill>
-              <a:srgbClr val="00B050"/>
-            </a:solidFill>
-            <a:prstDash val="sysDash"/>
-          </a:ln>
-          <a:effectLst/>
-        </p:spPr>
-        <p:style>
-          <a:lnRef idx="1">
-            <a:schemeClr val="accent1"/>
-          </a:lnRef>
-          <a:fillRef idx="2">
-            <a:schemeClr val="accent1"/>
-          </a:fillRef>
-          <a:effectRef idx="1">
-            <a:schemeClr val="accent1"/>
-          </a:effectRef>
-          <a:fontRef idx="minor">
-            <a:schemeClr val="dk1"/>
-          </a:fontRef>
-        </p:style>
-      </p:cxnSp>
-      <p:sp>
-        <p:nvSpPr>
-          <p:cNvPr id="47" name="Rectangle 46"/>
-          <p:cNvSpPr/>
-          <p:nvPr/>
-        </p:nvSpPr>
-        <p:spPr>
-          <a:xfrm>
-            <a:off x="1196443" y="5670472"/>
-            <a:ext cx="130545" cy="273128"/>
-          </a:xfrm>
-          <a:prstGeom prst="rect">
-            <a:avLst/>
-          </a:prstGeom>
-          <a:solidFill>
-            <a:srgbClr val="00B050"/>
-          </a:solidFill>
-          <a:ln>
-            <a:solidFill>
-              <a:srgbClr val="00B050"/>
-            </a:solidFill>
-          </a:ln>
-          <a:effectLst/>
-        </p:spPr>
-        <p:style>
-          <a:lnRef idx="1">
-            <a:schemeClr val="accent3"/>
-          </a:lnRef>
-          <a:fillRef idx="2">
-            <a:schemeClr val="accent3"/>
-          </a:fillRef>
-          <a:effectRef idx="1">
-            <a:schemeClr val="accent3"/>
-          </a:effectRef>
-          <a:fontRef idx="minor">
-            <a:schemeClr val="dk1"/>
-          </a:fontRef>
-        </p:style>
-        <p:txBody>
-          <a:bodyPr rtlCol="0" anchor="ctr"/>
-          <a:lstStyle/>
-          <a:p>
-            <a:pPr algn="ctr"/>
-            <a:endParaRPr lang="en-SG" sz="1400">
-              <a:solidFill>
-                <a:schemeClr val="dk1"/>
-              </a:solidFill>
-            </a:endParaRPr>
-          </a:p>
-        </p:txBody>
-      </p:sp>
-      <p:cxnSp>
-        <p:nvCxnSpPr>
-          <p:cNvPr id="48" name="Straight Arrow Connector 47"/>
-          <p:cNvCxnSpPr/>
-          <p:nvPr/>
-        </p:nvCxnSpPr>
-        <p:spPr>
-          <a:xfrm flipH="1">
-            <a:off x="1348843" y="5943600"/>
-            <a:ext cx="3061842" cy="0"/>
-          </a:xfrm>
-          <a:prstGeom prst="straightConnector1">
-            <a:avLst/>
-          </a:prstGeom>
-          <a:ln w="19050">
-            <a:solidFill>
-              <a:srgbClr val="00B050"/>
-            </a:solidFill>
-            <a:prstDash val="sysDash"/>
-            <a:headEnd type="arrow" w="med" len="med"/>
-            <a:tailEnd type="none" w="med" len="med"/>
-          </a:ln>
-        </p:spPr>
-        <p:style>
-          <a:lnRef idx="1">
-            <a:schemeClr val="accent1"/>
-          </a:lnRef>
-          <a:fillRef idx="0">
-            <a:schemeClr val="accent1"/>
-          </a:fillRef>
-          <a:effectRef idx="0">
-            <a:schemeClr val="accent1"/>
-          </a:effectRef>
-          <a:fontRef idx="minor">
-            <a:schemeClr val="tx1"/>
-          </a:fontRef>
-        </p:style>
-      </p:cxnSp>
-      <p:cxnSp>
-        <p:nvCxnSpPr>
-          <p:cNvPr id="49" name="Straight Arrow Connector 48"/>
-          <p:cNvCxnSpPr/>
-          <p:nvPr/>
-        </p:nvCxnSpPr>
-        <p:spPr>
-          <a:xfrm>
-            <a:off x="1348843" y="5670472"/>
-            <a:ext cx="3061841" cy="0"/>
-          </a:xfrm>
-          <a:prstGeom prst="straightConnector1">
-            <a:avLst/>
-          </a:prstGeom>
-          <a:ln w="19050">
-            <a:solidFill>
-              <a:schemeClr val="accent5">
-                <a:lumMod val="75000"/>
-              </a:schemeClr>
-            </a:solidFill>
-            <a:headEnd type="arrow" w="med" len="med"/>
-            <a:tailEnd type="none" w="med" len="med"/>
-          </a:ln>
-        </p:spPr>
-        <p:style>
-          <a:lnRef idx="1">
-            <a:schemeClr val="accent1"/>
-          </a:lnRef>
-          <a:fillRef idx="0">
-            <a:schemeClr val="accent1"/>
-          </a:fillRef>
-          <a:effectRef idx="0">
-            <a:schemeClr val="accent1"/>
-          </a:effectRef>
-          <a:fontRef idx="minor">
-            <a:schemeClr val="tx1"/>
-          </a:fontRef>
-        </p:style>
-      </p:cxnSp>
-      <p:sp>
-        <p:nvSpPr>
-          <p:cNvPr id="50" name="TextBox 49"/>
-          <p:cNvSpPr txBox="1"/>
-          <p:nvPr/>
-        </p:nvSpPr>
-        <p:spPr>
-          <a:xfrm>
-            <a:off x="1416276" y="5395369"/>
-            <a:ext cx="2659870" cy="215444"/>
-          </a:xfrm>
-          <a:prstGeom prst="rect">
-            <a:avLst/>
-          </a:prstGeom>
-          <a:noFill/>
-        </p:spPr>
-        <p:txBody>
-          <a:bodyPr wrap="square" lIns="0" tIns="0" rIns="0" bIns="0" rtlCol="0">
-            <a:spAutoFit/>
-          </a:bodyPr>
-          <a:lstStyle/>
-          <a:p>
-            <a:r>
-              <a:rPr lang="en-US" sz="1400" dirty="0" err="1" smtClean="0">
-                <a:solidFill>
-                  <a:srgbClr val="00B050"/>
-                </a:solidFill>
-              </a:rPr>
-              <a:t>handleAddresssBookChangedEvent</a:t>
-            </a:r>
-            <a:r>
-              <a:rPr lang="en-US" sz="1400" dirty="0" smtClean="0">
-                <a:solidFill>
-                  <a:srgbClr val="00B050"/>
-                </a:solidFill>
-              </a:rPr>
-              <a:t>()</a:t>
-            </a:r>
-            <a:endParaRPr lang="en-US" sz="1400" dirty="0">
-              <a:solidFill>
-                <a:srgbClr val="00B050"/>
-              </a:solidFill>
-            </a:endParaRPr>
-          </a:p>
-        </p:txBody>
-      </p:sp>
-      <p:grpSp>
-        <p:nvGrpSpPr>
-          <p:cNvPr id="13" name="Group 12"/>
-          <p:cNvGrpSpPr/>
-          <p:nvPr/>
-        </p:nvGrpSpPr>
-        <p:grpSpPr>
-          <a:xfrm>
-            <a:off x="1028134" y="5612032"/>
-            <a:ext cx="217349" cy="270072"/>
-            <a:chOff x="1028134" y="5612032"/>
-            <a:chExt cx="217349" cy="270072"/>
-          </a:xfrm>
-        </p:grpSpPr>
-        <p:sp>
-          <p:nvSpPr>
-            <p:cNvPr id="12" name="Freeform 11"/>
-            <p:cNvSpPr/>
-            <p:nvPr/>
-          </p:nvSpPr>
-          <p:spPr>
-            <a:xfrm rot="2600998" flipH="1" flipV="1">
-              <a:off x="1028134" y="5612032"/>
-              <a:ext cx="167452" cy="116880"/>
-            </a:xfrm>
-            <a:custGeom>
-              <a:avLst/>
-              <a:gdLst>
-                <a:gd name="connsiteX0" fmla="*/ 0 w 226400"/>
-                <a:gd name="connsiteY0" fmla="*/ 32920 h 171466"/>
-                <a:gd name="connsiteX1" fmla="*/ 157018 w 226400"/>
-                <a:gd name="connsiteY1" fmla="*/ 5211 h 171466"/>
-                <a:gd name="connsiteX2" fmla="*/ 221673 w 226400"/>
-                <a:gd name="connsiteY2" fmla="*/ 125284 h 171466"/>
-                <a:gd name="connsiteX3" fmla="*/ 36945 w 226400"/>
-                <a:gd name="connsiteY3" fmla="*/ 171466 h 171466"/>
-              </a:gdLst>
-              <a:ahLst/>
-              <a:cxnLst>
-                <a:cxn ang="0">
-                  <a:pos x="connsiteX0" y="connsiteY0"/>
-                </a:cxn>
-                <a:cxn ang="0">
-                  <a:pos x="connsiteX1" y="connsiteY1"/>
-                </a:cxn>
-                <a:cxn ang="0">
-                  <a:pos x="connsiteX2" y="connsiteY2"/>
-                </a:cxn>
-                <a:cxn ang="0">
-                  <a:pos x="connsiteX3" y="connsiteY3"/>
-                </a:cxn>
-              </a:cxnLst>
-              <a:rect l="l" t="t" r="r" b="b"/>
-              <a:pathLst>
-                <a:path w="226400" h="171466">
-                  <a:moveTo>
-                    <a:pt x="0" y="32920"/>
-                  </a:moveTo>
-                  <a:cubicBezTo>
-                    <a:pt x="60036" y="11368"/>
-                    <a:pt x="120073" y="-10183"/>
-                    <a:pt x="157018" y="5211"/>
-                  </a:cubicBezTo>
-                  <a:cubicBezTo>
-                    <a:pt x="193963" y="20605"/>
-                    <a:pt x="241685" y="97575"/>
-                    <a:pt x="221673" y="125284"/>
-                  </a:cubicBezTo>
-                  <a:cubicBezTo>
-                    <a:pt x="201661" y="152993"/>
-                    <a:pt x="119303" y="162229"/>
-                    <a:pt x="36945" y="171466"/>
-                  </a:cubicBezTo>
-                </a:path>
-              </a:pathLst>
-            </a:custGeom>
-            <a:ln w="19050">
-              <a:solidFill>
-                <a:srgbClr val="00B050"/>
-              </a:solidFill>
-              <a:headEnd type="arrow" w="med" len="med"/>
-              <a:tailEnd type="none" w="med" len="med"/>
-            </a:ln>
-          </p:spPr>
-          <p:style>
-            <a:lnRef idx="1">
-              <a:schemeClr val="accent1"/>
-            </a:lnRef>
-            <a:fillRef idx="0">
-              <a:schemeClr val="accent1"/>
-            </a:fillRef>
-            <a:effectRef idx="0">
-              <a:schemeClr val="accent1"/>
-            </a:effectRef>
-            <a:fontRef idx="minor">
-              <a:schemeClr val="tx1"/>
-            </a:fontRef>
-          </p:style>
-          <p:txBody>
-            <a:bodyPr rtlCol="0" anchor="ctr"/>
-            <a:lstStyle/>
-            <a:p>
-              <a:pPr algn="ctr"/>
-              <a:endParaRPr lang="en-SG"/>
-            </a:p>
-          </p:txBody>
-        </p:sp>
-        <p:sp>
-          <p:nvSpPr>
-            <p:cNvPr id="56" name="Rectangle 55"/>
-            <p:cNvSpPr/>
-            <p:nvPr/>
-          </p:nvSpPr>
-          <p:spPr>
-            <a:xfrm>
-              <a:off x="1147403" y="5712513"/>
-              <a:ext cx="98080" cy="169591"/>
-            </a:xfrm>
-            <a:prstGeom prst="rect">
-              <a:avLst/>
-            </a:prstGeom>
-            <a:solidFill>
-              <a:srgbClr val="00B050"/>
-            </a:solidFill>
-            <a:ln>
-              <a:solidFill>
-                <a:schemeClr val="bg1"/>
-              </a:solidFill>
-            </a:ln>
-            <a:effectLst/>
-          </p:spPr>
-          <p:style>
-            <a:lnRef idx="1">
-              <a:schemeClr val="accent3"/>
-            </a:lnRef>
-            <a:fillRef idx="2">
-              <a:schemeClr val="accent3"/>
-            </a:fillRef>
-            <a:effectRef idx="1">
-              <a:schemeClr val="accent3"/>
-            </a:effectRef>
-            <a:fontRef idx="minor">
-              <a:schemeClr val="dk1"/>
-            </a:fontRef>
-          </p:style>
-          <p:txBody>
-            <a:bodyPr rtlCol="0" anchor="ctr"/>
-            <a:lstStyle/>
-            <a:p>
-              <a:pPr algn="ctr"/>
-              <a:endParaRPr lang="en-SG" sz="1400">
-                <a:solidFill>
-                  <a:schemeClr val="dk1"/>
-                </a:solidFill>
-              </a:endParaRPr>
-            </a:p>
-          </p:txBody>
-        </p:sp>
-      </p:grpSp>
-      <p:sp>
-        <p:nvSpPr>
-          <p:cNvPr id="57" name="TextBox 56"/>
-          <p:cNvSpPr txBox="1"/>
-          <p:nvPr/>
-        </p:nvSpPr>
-        <p:spPr>
-          <a:xfrm>
-            <a:off x="194562" y="5444571"/>
-            <a:ext cx="794081" cy="430887"/>
-          </a:xfrm>
-          <a:prstGeom prst="rect">
-            <a:avLst/>
-          </a:prstGeom>
-          <a:noFill/>
-        </p:spPr>
-        <p:txBody>
-          <a:bodyPr wrap="square" lIns="0" tIns="0" rIns="0" bIns="0" rtlCol="0">
-            <a:spAutoFit/>
-          </a:bodyPr>
-          <a:lstStyle/>
-          <a:p>
-            <a:pPr algn="r"/>
-            <a:r>
-              <a:rPr lang="en-US" sz="1400" dirty="0" smtClean="0">
-                <a:solidFill>
-                  <a:srgbClr val="00B050"/>
-                </a:solidFill>
-              </a:rPr>
-              <a:t>Update status bar</a:t>
-            </a:r>
-            <a:endParaRPr lang="en-US" sz="1400" dirty="0">
-              <a:solidFill>
-                <a:srgbClr val="00B050"/>
-              </a:solidFill>
-            </a:endParaRPr>
-          </a:p>
-        </p:txBody>
-      </p:sp>
       <p:grpSp>
         <p:nvGrpSpPr>
           <p:cNvPr id="58" name="Group 57"/>
@@ -5849,8 +4845,8 @@
         </p:nvGrpSpPr>
         <p:grpSpPr>
           <a:xfrm flipH="1">
-            <a:off x="7936842" y="5335662"/>
-            <a:ext cx="217349" cy="270072"/>
+            <a:off x="7442978" y="3879149"/>
+            <a:ext cx="217349" cy="430885"/>
             <a:chOff x="1028134" y="5612032"/>
             <a:chExt cx="217349" cy="270072"/>
           </a:xfrm>
@@ -6012,7 +5008,7 @@
         </p:nvSpPr>
         <p:spPr>
           <a:xfrm>
-            <a:off x="8223953" y="5180992"/>
+            <a:off x="7730090" y="3724480"/>
             <a:ext cx="539047" cy="430887"/>
           </a:xfrm>
           <a:prstGeom prst="rect">
@@ -6027,7 +5023,7 @@
           <a:lstStyle/>
           <a:p>
             <a:r>
-              <a:rPr lang="en-US" sz="1400" dirty="0" smtClean="0">
+              <a:rPr lang="en-US" sz="1400" dirty="0">
                 <a:solidFill>
                   <a:schemeClr val="accent6">
                     <a:lumMod val="75000"/>
@@ -6037,7 +5033,7 @@
               <a:t>Save </a:t>
             </a:r>
             <a:br>
-              <a:rPr lang="en-US" sz="1400" dirty="0" smtClean="0">
+              <a:rPr lang="en-US" sz="1400" dirty="0">
                 <a:solidFill>
                   <a:schemeClr val="accent6">
                     <a:lumMod val="75000"/>
@@ -6046,7 +5042,7 @@
               </a:rPr>
             </a:br>
             <a:r>
-              <a:rPr lang="en-US" sz="1400" dirty="0" smtClean="0">
+              <a:rPr lang="en-US" sz="1400" dirty="0">
                 <a:solidFill>
                   <a:schemeClr val="accent6">
                     <a:lumMod val="75000"/>
@@ -6055,16 +5051,53 @@
               </a:rPr>
               <a:t>to file</a:t>
             </a:r>
-            <a:endParaRPr lang="en-US" sz="1400" dirty="0">
-              <a:solidFill>
-                <a:schemeClr val="accent6">
-                  <a:lumMod val="75000"/>
-                </a:schemeClr>
-              </a:solidFill>
-            </a:endParaRPr>
-          </a:p>
-        </p:txBody>
-      </p:sp>
+          </a:p>
+        </p:txBody>
+      </p:sp>
+      <p:cxnSp>
+        <p:nvCxnSpPr>
+          <p:cNvPr id="78" name="Straight Arrow Connector 77">
+            <a:extLst>
+              <a:ext uri="{FF2B5EF4-FFF2-40B4-BE49-F238E27FC236}">
+                <a16:creationId xmlns:a16="http://schemas.microsoft.com/office/drawing/2014/main" id="{4AB8DFA2-C3DE-4CDF-82C8-BDE3320A5C3E}"/>
+              </a:ext>
+            </a:extLst>
+          </p:cNvPr>
+          <p:cNvCxnSpPr>
+            <a:cxnSpLocks/>
+          </p:cNvCxnSpPr>
+          <p:nvPr/>
+        </p:nvCxnSpPr>
+        <p:spPr>
+          <a:xfrm flipV="1">
+            <a:off x="4203433" y="3883131"/>
+            <a:ext cx="3144005" cy="1"/>
+          </a:xfrm>
+          <a:prstGeom prst="straightConnector1">
+            <a:avLst/>
+          </a:prstGeom>
+          <a:ln w="19050">
+            <a:solidFill>
+              <a:srgbClr val="0070C0"/>
+            </a:solidFill>
+            <a:tailEnd type="arrow"/>
+          </a:ln>
+        </p:spPr>
+        <p:style>
+          <a:lnRef idx="1">
+            <a:schemeClr val="accent1"/>
+          </a:lnRef>
+          <a:fillRef idx="0">
+            <a:schemeClr val="accent1"/>
+          </a:fillRef>
+          <a:effectRef idx="0">
+            <a:schemeClr val="accent1"/>
+          </a:effectRef>
+          <a:fontRef idx="minor">
+            <a:schemeClr val="tx1"/>
+          </a:fontRef>
+        </p:style>
+      </p:cxnSp>
     </p:spTree>
     <p:extLst>
       <p:ext uri="{BB962C8B-B14F-4D97-AF65-F5344CB8AC3E}">
